--- a/fuentes/contenidos/grado10/guion08/CN_10_08_CO.pptx
+++ b/fuentes/contenidos/grado10/guion08/CN_10_08_CO.pptx
@@ -405,7 +405,7 @@
           <a:p>
             <a:fld id="{5001C876-01F7-4317-94B9-1AE222133113}" type="datetimeFigureOut">
               <a:rPr lang="es-ES" smtClean="0"/>
-              <a:t>12/07/2016</a:t>
+              <a:t>14/07/2016</a:t>
             </a:fld>
             <a:endParaRPr lang="es-ES"/>
           </a:p>
@@ -1950,7 +1950,7 @@
         </p:nvSpPr>
         <p:spPr>
           <a:xfrm>
-            <a:off x="395420" y="5016673"/>
+            <a:off x="413886" y="5293673"/>
             <a:ext cx="1512210" cy="507831"/>
           </a:xfrm>
           <a:prstGeom prst="rect">
@@ -2543,8 +2543,8 @@
         </p:nvCxnSpPr>
         <p:spPr>
           <a:xfrm rot="16200000" flipH="1">
-            <a:off x="803493" y="4668641"/>
-            <a:ext cx="683256" cy="12807"/>
+            <a:off x="674226" y="4797908"/>
+            <a:ext cx="960256" cy="31273"/>
           </a:xfrm>
           <a:prstGeom prst="bentConnector3">
             <a:avLst/>
@@ -2808,7 +2808,23 @@
                   <a:schemeClr val="tx1"/>
                 </a:solidFill>
               </a:rPr>
-              <a:t>Se rigen por</a:t>
+              <a:t>s</a:t>
+            </a:r>
+            <a:r>
+              <a:rPr lang="es-ES" sz="900" dirty="0" smtClean="0">
+                <a:solidFill>
+                  <a:schemeClr val="tx1"/>
+                </a:solidFill>
+              </a:rPr>
+              <a:t>e </a:t>
+            </a:r>
+            <a:r>
+              <a:rPr lang="es-ES" sz="900" dirty="0">
+                <a:solidFill>
+                  <a:schemeClr val="tx1"/>
+                </a:solidFill>
+              </a:rPr>
+              <a:t>rigen por</a:t>
             </a:r>
           </a:p>
         </p:txBody>
@@ -2858,12 +2874,28 @@
           <a:p>
             <a:pPr algn="ctr"/>
             <a:r>
+              <a:rPr lang="es-ES" sz="900" smtClean="0">
+                <a:solidFill>
+                  <a:schemeClr val="tx1"/>
+                </a:solidFill>
+              </a:rPr>
+              <a:t>cuyas</a:t>
+            </a:r>
+            <a:r>
+              <a:rPr lang="es-ES" sz="900" smtClean="0">
+                <a:solidFill>
+                  <a:schemeClr val="tx1"/>
+                </a:solidFill>
+              </a:rPr>
+              <a:t> </a:t>
+            </a:r>
+            <a:r>
               <a:rPr lang="es-ES" sz="900" dirty="0">
                 <a:solidFill>
                   <a:schemeClr val="tx1"/>
                 </a:solidFill>
               </a:rPr>
-              <a:t>las variables de estado son</a:t>
+              <a:t>variables de estado son</a:t>
             </a:r>
           </a:p>
         </p:txBody>
@@ -3108,7 +3140,7 @@
         <p:spPr>
           <a:xfrm>
             <a:off x="647811" y="4509266"/>
-            <a:ext cx="1044360" cy="216024"/>
+            <a:ext cx="1044360" cy="640362"/>
           </a:xfrm>
           <a:prstGeom prst="rect">
             <a:avLst/>
@@ -3149,8 +3181,70 @@
                   <a:schemeClr val="tx1"/>
                 </a:solidFill>
               </a:rPr>
-              <a:t>efectos sobre la materia</a:t>
-            </a:r>
+              <a:t>c</a:t>
+            </a:r>
+            <a:r>
+              <a:rPr lang="es-ES" sz="900" dirty="0" smtClean="0">
+                <a:solidFill>
+                  <a:schemeClr val="tx1"/>
+                </a:solidFill>
+              </a:rPr>
+              <a:t>on efectos sobre </a:t>
+            </a:r>
+          </a:p>
+          <a:p>
+            <a:pPr algn="ctr"/>
+            <a:endParaRPr lang="es-ES" sz="900" dirty="0">
+              <a:solidFill>
+                <a:schemeClr val="tx1"/>
+              </a:solidFill>
+            </a:endParaRPr>
+          </a:p>
+          <a:p>
+            <a:pPr algn="ctr"/>
+            <a:r>
+              <a:rPr lang="es-ES" sz="900" dirty="0" smtClean="0">
+                <a:solidFill>
+                  <a:schemeClr val="tx1"/>
+                </a:solidFill>
+              </a:rPr>
+              <a:t>la materia</a:t>
+            </a:r>
+          </a:p>
+          <a:p>
+            <a:pPr algn="ctr"/>
+            <a:endParaRPr lang="es-ES" sz="900" dirty="0">
+              <a:solidFill>
+                <a:schemeClr val="tx1"/>
+              </a:solidFill>
+            </a:endParaRPr>
+          </a:p>
+          <a:p>
+            <a:pPr algn="ctr"/>
+            <a:r>
+              <a:rPr lang="es-ES" sz="900" dirty="0" smtClean="0">
+                <a:solidFill>
+                  <a:schemeClr val="tx1"/>
+                </a:solidFill>
+              </a:rPr>
+              <a:t> </a:t>
+            </a:r>
+          </a:p>
+          <a:p>
+            <a:pPr algn="ctr"/>
+            <a:r>
+              <a:rPr lang="es-ES" sz="900" dirty="0" smtClean="0">
+                <a:solidFill>
+                  <a:schemeClr val="tx1"/>
+                </a:solidFill>
+              </a:rPr>
+              <a:t>como</a:t>
+            </a:r>
+            <a:endParaRPr lang="es-ES" sz="900" dirty="0">
+              <a:solidFill>
+                <a:schemeClr val="tx1"/>
+              </a:solidFill>
+            </a:endParaRPr>
           </a:p>
         </p:txBody>
       </p:sp>
